--- a/thesis/UngDungQLThoiGianBieu.pptx
+++ b/thesis/UngDungQLThoiGianBieu.pptx
@@ -2620,30 +2620,30 @@
     </dgm:pt>
   </dgm:ptLst>
   <dgm:cxnLst>
+    <dgm:cxn modelId="{01690C78-7E0B-49EB-8B71-5D726292CEF8}" type="presOf" srcId="{F3C44282-3ABE-4346-BB55-A72E0B975A9E}" destId="{B1DFB2D0-E431-4630-8CFF-D102C3D5C98D}" srcOrd="1" destOrd="1" presId="urn:microsoft.com/office/officeart/2005/8/layout/vList4"/>
+    <dgm:cxn modelId="{63473521-991A-4DED-B9F5-4FB34B87458B}" type="presOf" srcId="{6A2E7C3C-6444-4ABA-A994-48B27E007B3D}" destId="{B1DFB2D0-E431-4630-8CFF-D102C3D5C98D}" srcOrd="1" destOrd="0" presId="urn:microsoft.com/office/officeart/2005/8/layout/vList4"/>
+    <dgm:cxn modelId="{5F4970C2-E49B-4D84-95FD-6B2D0C63D502}" type="presOf" srcId="{8B77E850-9F4F-4A56-A23B-31A9FCF340CE}" destId="{F9CC23DE-24AD-4C29-8E68-802C317BDB0B}" srcOrd="0" destOrd="1" presId="urn:microsoft.com/office/officeart/2005/8/layout/vList4"/>
+    <dgm:cxn modelId="{F0C7755D-1072-4B87-8FBC-BB2DB53E2EC8}" srcId="{FAF9CDED-AB08-4BA5-80EA-54A726F9D206}" destId="{43EA6C5F-2CAC-4912-AAE3-A1507B379F0D}" srcOrd="2" destOrd="0" parTransId="{79C35AA9-135A-4638-8BC3-68EB4C529BF7}" sibTransId="{147EA16C-0A44-41A3-9562-7E9598068FD9}"/>
+    <dgm:cxn modelId="{6ADD6F1F-A052-4B60-969B-8D25FB66E2E5}" type="presOf" srcId="{4A366A1C-B23E-4365-9B77-A42ACFBA7093}" destId="{74E1896B-B863-40B5-BE60-427139BBE1A7}" srcOrd="1" destOrd="1" presId="urn:microsoft.com/office/officeart/2005/8/layout/vList4"/>
+    <dgm:cxn modelId="{A7A8FEF3-5C5D-4444-A634-2AA7F0C356AF}" type="presOf" srcId="{43EA6C5F-2CAC-4912-AAE3-A1507B379F0D}" destId="{26941A94-8044-414E-9745-5AE6BBD85917}" srcOrd="0" destOrd="0" presId="urn:microsoft.com/office/officeart/2005/8/layout/vList4"/>
+    <dgm:cxn modelId="{8B12F137-3BC9-4791-98AB-4873194C7D5F}" srcId="{FAF9CDED-AB08-4BA5-80EA-54A726F9D206}" destId="{6A2E7C3C-6444-4ABA-A994-48B27E007B3D}" srcOrd="3" destOrd="0" parTransId="{36D1DE8D-123A-43BB-A59F-7C95F45B0FD0}" sibTransId="{3D6C88FE-5875-4F02-BA57-1FDA86482B64}"/>
     <dgm:cxn modelId="{2FBE78C8-B1E1-44D3-BD92-D2D52FB67B21}" srcId="{43EA6C5F-2CAC-4912-AAE3-A1507B379F0D}" destId="{4A366A1C-B23E-4365-9B77-A42ACFBA7093}" srcOrd="0" destOrd="0" parTransId="{1237A08B-A1F9-4D05-9F74-51B6F505976B}" sibTransId="{B140A5E2-3107-48A7-9B5C-180B78A43821}"/>
+    <dgm:cxn modelId="{EA7862E4-FA18-4F60-B797-E7D63218B224}" type="presOf" srcId="{4A366A1C-B23E-4365-9B77-A42ACFBA7093}" destId="{26941A94-8044-414E-9745-5AE6BBD85917}" srcOrd="0" destOrd="1" presId="urn:microsoft.com/office/officeart/2005/8/layout/vList4"/>
+    <dgm:cxn modelId="{C3932FE5-382C-4588-836D-2C46DBB484D5}" srcId="{6A2E7C3C-6444-4ABA-A994-48B27E007B3D}" destId="{F3C44282-3ABE-4346-BB55-A72E0B975A9E}" srcOrd="0" destOrd="0" parTransId="{50138034-7D3F-49B2-ADF6-14FF09EB6252}" sibTransId="{DCE9EC45-0B64-4120-9618-2558EF75F8A7}"/>
+    <dgm:cxn modelId="{340066F7-FB2B-4CAF-8BE1-04C3194B7410}" type="presOf" srcId="{D47CD891-7C2D-4652-9F4C-FF6AB2D8838F}" destId="{25B07CBE-3795-4197-918F-8AF71A19C3E5}" srcOrd="0" destOrd="0" presId="urn:microsoft.com/office/officeart/2005/8/layout/vList4"/>
+    <dgm:cxn modelId="{FC4D755B-C4F2-427E-8A06-4F173816BB6B}" type="presOf" srcId="{EFC464E9-A01F-4480-BF93-9CA189E0C7C7}" destId="{86476DA5-83E3-40B8-BDC4-F8AF5B1BDA02}" srcOrd="1" destOrd="0" presId="urn:microsoft.com/office/officeart/2005/8/layout/vList4"/>
+    <dgm:cxn modelId="{4B565030-70EA-470F-A529-1EA80551D75D}" type="presOf" srcId="{6A2E7C3C-6444-4ABA-A994-48B27E007B3D}" destId="{7C388429-189B-42EB-8C61-B974F68D1011}" srcOrd="0" destOrd="0" presId="urn:microsoft.com/office/officeart/2005/8/layout/vList4"/>
+    <dgm:cxn modelId="{08409536-2AE9-4F06-981D-43E7942E54EA}" srcId="{D47CD891-7C2D-4652-9F4C-FF6AB2D8838F}" destId="{6E85548E-8874-42D2-892D-B4B66D81E47C}" srcOrd="0" destOrd="0" parTransId="{EA7E9E69-35D5-4B34-AA44-F296976BA2E8}" sibTransId="{776F826E-1180-4474-BBC0-40EE204118CB}"/>
+    <dgm:cxn modelId="{D2A777F0-536F-4FF5-A715-3FEC6B3C2D34}" type="presOf" srcId="{EFC464E9-A01F-4480-BF93-9CA189E0C7C7}" destId="{F9CC23DE-24AD-4C29-8E68-802C317BDB0B}" srcOrd="0" destOrd="0" presId="urn:microsoft.com/office/officeart/2005/8/layout/vList4"/>
+    <dgm:cxn modelId="{92C29A9B-C239-42AD-892D-4FFD88A67FF1}" type="presOf" srcId="{6E85548E-8874-42D2-892D-B4B66D81E47C}" destId="{AB65EFAF-C33B-48D1-80B4-D967528E4301}" srcOrd="1" destOrd="1" presId="urn:microsoft.com/office/officeart/2005/8/layout/vList4"/>
+    <dgm:cxn modelId="{FBB3A92A-7EF2-4EC6-A0FE-6351BA699295}" srcId="{FAF9CDED-AB08-4BA5-80EA-54A726F9D206}" destId="{EFC464E9-A01F-4480-BF93-9CA189E0C7C7}" srcOrd="1" destOrd="0" parTransId="{C4D62C4C-5307-460D-B030-BC665A93884F}" sibTransId="{A822D840-64DC-41B2-A440-152541C75728}"/>
+    <dgm:cxn modelId="{9FD6B120-3784-4429-B9C0-F61DEFAD525D}" type="presOf" srcId="{43EA6C5F-2CAC-4912-AAE3-A1507B379F0D}" destId="{74E1896B-B863-40B5-BE60-427139BBE1A7}" srcOrd="1" destOrd="0" presId="urn:microsoft.com/office/officeart/2005/8/layout/vList4"/>
+    <dgm:cxn modelId="{4F885367-EACD-4419-A07C-8B700B1DC5C0}" type="presOf" srcId="{F3C44282-3ABE-4346-BB55-A72E0B975A9E}" destId="{7C388429-189B-42EB-8C61-B974F68D1011}" srcOrd="0" destOrd="1" presId="urn:microsoft.com/office/officeart/2005/8/layout/vList4"/>
+    <dgm:cxn modelId="{780FCE9B-B251-4271-B8F2-146C8C264ADF}" type="presOf" srcId="{8B77E850-9F4F-4A56-A23B-31A9FCF340CE}" destId="{86476DA5-83E3-40B8-BDC4-F8AF5B1BDA02}" srcOrd="1" destOrd="1" presId="urn:microsoft.com/office/officeart/2005/8/layout/vList4"/>
     <dgm:cxn modelId="{D6866AE5-91BB-403F-B7AB-6AD52D068925}" type="presOf" srcId="{FAF9CDED-AB08-4BA5-80EA-54A726F9D206}" destId="{5B6B2DD1-67F6-44AB-85D0-470863F2A5AB}" srcOrd="0" destOrd="0" presId="urn:microsoft.com/office/officeart/2005/8/layout/vList4"/>
-    <dgm:cxn modelId="{FBB3A92A-7EF2-4EC6-A0FE-6351BA699295}" srcId="{FAF9CDED-AB08-4BA5-80EA-54A726F9D206}" destId="{EFC464E9-A01F-4480-BF93-9CA189E0C7C7}" srcOrd="1" destOrd="0" parTransId="{C4D62C4C-5307-460D-B030-BC665A93884F}" sibTransId="{A822D840-64DC-41B2-A440-152541C75728}"/>
-    <dgm:cxn modelId="{780FCE9B-B251-4271-B8F2-146C8C264ADF}" type="presOf" srcId="{8B77E850-9F4F-4A56-A23B-31A9FCF340CE}" destId="{86476DA5-83E3-40B8-BDC4-F8AF5B1BDA02}" srcOrd="1" destOrd="1" presId="urn:microsoft.com/office/officeart/2005/8/layout/vList4"/>
+    <dgm:cxn modelId="{6159D152-53EF-4418-89E7-F9BC07D1BED3}" srcId="{EFC464E9-A01F-4480-BF93-9CA189E0C7C7}" destId="{8B77E850-9F4F-4A56-A23B-31A9FCF340CE}" srcOrd="0" destOrd="0" parTransId="{3373D3AA-AEF8-433D-87DE-D3E2B431E8B6}" sibTransId="{A1AA0894-AA4A-44F7-9AF0-19074E9A00DE}"/>
     <dgm:cxn modelId="{CB046D19-32D8-4363-B0FF-A62BAB2BCDF3}" type="presOf" srcId="{6E85548E-8874-42D2-892D-B4B66D81E47C}" destId="{25B07CBE-3795-4197-918F-8AF71A19C3E5}" srcOrd="0" destOrd="1" presId="urn:microsoft.com/office/officeart/2005/8/layout/vList4"/>
     <dgm:cxn modelId="{D2371588-8152-4C71-A11E-0ECDEA5E9B87}" type="presOf" srcId="{D47CD891-7C2D-4652-9F4C-FF6AB2D8838F}" destId="{AB65EFAF-C33B-48D1-80B4-D967528E4301}" srcOrd="1" destOrd="0" presId="urn:microsoft.com/office/officeart/2005/8/layout/vList4"/>
-    <dgm:cxn modelId="{340066F7-FB2B-4CAF-8BE1-04C3194B7410}" type="presOf" srcId="{D47CD891-7C2D-4652-9F4C-FF6AB2D8838F}" destId="{25B07CBE-3795-4197-918F-8AF71A19C3E5}" srcOrd="0" destOrd="0" presId="urn:microsoft.com/office/officeart/2005/8/layout/vList4"/>
-    <dgm:cxn modelId="{92C29A9B-C239-42AD-892D-4FFD88A67FF1}" type="presOf" srcId="{6E85548E-8874-42D2-892D-B4B66D81E47C}" destId="{AB65EFAF-C33B-48D1-80B4-D967528E4301}" srcOrd="1" destOrd="1" presId="urn:microsoft.com/office/officeart/2005/8/layout/vList4"/>
-    <dgm:cxn modelId="{EA7862E4-FA18-4F60-B797-E7D63218B224}" type="presOf" srcId="{4A366A1C-B23E-4365-9B77-A42ACFBA7093}" destId="{26941A94-8044-414E-9745-5AE6BBD85917}" srcOrd="0" destOrd="1" presId="urn:microsoft.com/office/officeart/2005/8/layout/vList4"/>
-    <dgm:cxn modelId="{6ADD6F1F-A052-4B60-969B-8D25FB66E2E5}" type="presOf" srcId="{4A366A1C-B23E-4365-9B77-A42ACFBA7093}" destId="{74E1896B-B863-40B5-BE60-427139BBE1A7}" srcOrd="1" destOrd="1" presId="urn:microsoft.com/office/officeart/2005/8/layout/vList4"/>
-    <dgm:cxn modelId="{A7A8FEF3-5C5D-4444-A634-2AA7F0C356AF}" type="presOf" srcId="{43EA6C5F-2CAC-4912-AAE3-A1507B379F0D}" destId="{26941A94-8044-414E-9745-5AE6BBD85917}" srcOrd="0" destOrd="0" presId="urn:microsoft.com/office/officeart/2005/8/layout/vList4"/>
-    <dgm:cxn modelId="{5F4970C2-E49B-4D84-95FD-6B2D0C63D502}" type="presOf" srcId="{8B77E850-9F4F-4A56-A23B-31A9FCF340CE}" destId="{F9CC23DE-24AD-4C29-8E68-802C317BDB0B}" srcOrd="0" destOrd="1" presId="urn:microsoft.com/office/officeart/2005/8/layout/vList4"/>
-    <dgm:cxn modelId="{6159D152-53EF-4418-89E7-F9BC07D1BED3}" srcId="{EFC464E9-A01F-4480-BF93-9CA189E0C7C7}" destId="{8B77E850-9F4F-4A56-A23B-31A9FCF340CE}" srcOrd="0" destOrd="0" parTransId="{3373D3AA-AEF8-433D-87DE-D3E2B431E8B6}" sibTransId="{A1AA0894-AA4A-44F7-9AF0-19074E9A00DE}"/>
-    <dgm:cxn modelId="{4B565030-70EA-470F-A529-1EA80551D75D}" type="presOf" srcId="{6A2E7C3C-6444-4ABA-A994-48B27E007B3D}" destId="{7C388429-189B-42EB-8C61-B974F68D1011}" srcOrd="0" destOrd="0" presId="urn:microsoft.com/office/officeart/2005/8/layout/vList4"/>
-    <dgm:cxn modelId="{63473521-991A-4DED-B9F5-4FB34B87458B}" type="presOf" srcId="{6A2E7C3C-6444-4ABA-A994-48B27E007B3D}" destId="{B1DFB2D0-E431-4630-8CFF-D102C3D5C98D}" srcOrd="1" destOrd="0" presId="urn:microsoft.com/office/officeart/2005/8/layout/vList4"/>
-    <dgm:cxn modelId="{4F885367-EACD-4419-A07C-8B700B1DC5C0}" type="presOf" srcId="{F3C44282-3ABE-4346-BB55-A72E0B975A9E}" destId="{7C388429-189B-42EB-8C61-B974F68D1011}" srcOrd="0" destOrd="1" presId="urn:microsoft.com/office/officeart/2005/8/layout/vList4"/>
-    <dgm:cxn modelId="{D2A777F0-536F-4FF5-A715-3FEC6B3C2D34}" type="presOf" srcId="{EFC464E9-A01F-4480-BF93-9CA189E0C7C7}" destId="{F9CC23DE-24AD-4C29-8E68-802C317BDB0B}" srcOrd="0" destOrd="0" presId="urn:microsoft.com/office/officeart/2005/8/layout/vList4"/>
-    <dgm:cxn modelId="{C3932FE5-382C-4588-836D-2C46DBB484D5}" srcId="{6A2E7C3C-6444-4ABA-A994-48B27E007B3D}" destId="{F3C44282-3ABE-4346-BB55-A72E0B975A9E}" srcOrd="0" destOrd="0" parTransId="{50138034-7D3F-49B2-ADF6-14FF09EB6252}" sibTransId="{DCE9EC45-0B64-4120-9618-2558EF75F8A7}"/>
-    <dgm:cxn modelId="{F0C7755D-1072-4B87-8FBC-BB2DB53E2EC8}" srcId="{FAF9CDED-AB08-4BA5-80EA-54A726F9D206}" destId="{43EA6C5F-2CAC-4912-AAE3-A1507B379F0D}" srcOrd="2" destOrd="0" parTransId="{79C35AA9-135A-4638-8BC3-68EB4C529BF7}" sibTransId="{147EA16C-0A44-41A3-9562-7E9598068FD9}"/>
-    <dgm:cxn modelId="{08409536-2AE9-4F06-981D-43E7942E54EA}" srcId="{D47CD891-7C2D-4652-9F4C-FF6AB2D8838F}" destId="{6E85548E-8874-42D2-892D-B4B66D81E47C}" srcOrd="0" destOrd="0" parTransId="{EA7E9E69-35D5-4B34-AA44-F296976BA2E8}" sibTransId="{776F826E-1180-4474-BBC0-40EE204118CB}"/>
-    <dgm:cxn modelId="{01690C78-7E0B-49EB-8B71-5D726292CEF8}" type="presOf" srcId="{F3C44282-3ABE-4346-BB55-A72E0B975A9E}" destId="{B1DFB2D0-E431-4630-8CFF-D102C3D5C98D}" srcOrd="1" destOrd="1" presId="urn:microsoft.com/office/officeart/2005/8/layout/vList4"/>
-    <dgm:cxn modelId="{9FD6B120-3784-4429-B9C0-F61DEFAD525D}" type="presOf" srcId="{43EA6C5F-2CAC-4912-AAE3-A1507B379F0D}" destId="{74E1896B-B863-40B5-BE60-427139BBE1A7}" srcOrd="1" destOrd="0" presId="urn:microsoft.com/office/officeart/2005/8/layout/vList4"/>
-    <dgm:cxn modelId="{8B12F137-3BC9-4791-98AB-4873194C7D5F}" srcId="{FAF9CDED-AB08-4BA5-80EA-54A726F9D206}" destId="{6A2E7C3C-6444-4ABA-A994-48B27E007B3D}" srcOrd="3" destOrd="0" parTransId="{36D1DE8D-123A-43BB-A59F-7C95F45B0FD0}" sibTransId="{3D6C88FE-5875-4F02-BA57-1FDA86482B64}"/>
-    <dgm:cxn modelId="{FC4D755B-C4F2-427E-8A06-4F173816BB6B}" type="presOf" srcId="{EFC464E9-A01F-4480-BF93-9CA189E0C7C7}" destId="{86476DA5-83E3-40B8-BDC4-F8AF5B1BDA02}" srcOrd="1" destOrd="0" presId="urn:microsoft.com/office/officeart/2005/8/layout/vList4"/>
     <dgm:cxn modelId="{88DB21BE-EBCE-43FC-AC5F-8B42C4A2A80E}" srcId="{FAF9CDED-AB08-4BA5-80EA-54A726F9D206}" destId="{D47CD891-7C2D-4652-9F4C-FF6AB2D8838F}" srcOrd="0" destOrd="0" parTransId="{466593F5-3BE7-4AF8-BB2C-9876AA25D890}" sibTransId="{A24F2557-59DB-4962-858C-7BB10FD089BB}"/>
     <dgm:cxn modelId="{4B7EF366-4845-49C1-A7EF-1EBFC8E52B21}" type="presParOf" srcId="{5B6B2DD1-67F6-44AB-85D0-470863F2A5AB}" destId="{3ADDBD9B-58A9-4646-8BDC-2B651C07732E}" srcOrd="0" destOrd="0" presId="urn:microsoft.com/office/officeart/2005/8/layout/vList4"/>
     <dgm:cxn modelId="{EADAA090-86F5-4772-B28C-CB8F798DAFAC}" type="presParOf" srcId="{3ADDBD9B-58A9-4646-8BDC-2B651C07732E}" destId="{25B07CBE-3795-4197-918F-8AF71A19C3E5}" srcOrd="0" destOrd="0" presId="urn:microsoft.com/office/officeart/2005/8/layout/vList4"/>
@@ -12798,7 +12798,7 @@
                 <a16:creationId xmlns:a16="http://schemas.microsoft.com/office/drawing/2014/main" id="{3E3ED910-979B-508F-0B2C-9AC32A060C78}"/>
               </a:ext>
               <a:ext uri="{C183D7F6-B498-43B3-948B-1728B52AA6E4}">
-                <adec:decorative xmlns:adec="http://schemas.microsoft.com/office/drawing/2017/decorative" xmlns="" val="1"/>
+                <adec:decorative xmlns="" xmlns:adec="http://schemas.microsoft.com/office/drawing/2017/decorative" val="1"/>
               </a:ext>
             </a:extLst>
           </p:cNvPr>
@@ -12858,7 +12858,7 @@
                 <a16:creationId xmlns:a16="http://schemas.microsoft.com/office/drawing/2014/main" id="{D36EA369-C517-71AE-A333-1FAED0106BAA}"/>
               </a:ext>
               <a:ext uri="{C183D7F6-B498-43B3-948B-1728B52AA6E4}">
-                <adec:decorative xmlns:adec="http://schemas.microsoft.com/office/drawing/2017/decorative" xmlns="" val="1"/>
+                <adec:decorative xmlns="" xmlns:adec="http://schemas.microsoft.com/office/drawing/2017/decorative" val="1"/>
               </a:ext>
             </a:extLst>
           </p:cNvPr>
@@ -13010,7 +13010,7 @@
             </a:r>
             <a:r>
               <a:rPr lang="en-US" sz="3200" dirty="0" smtClean="0"/>
-              <a:t>BIỂU SCHEDULE MANAGER</a:t>
+              <a:t>BIỂU</a:t>
             </a:r>
             <a:endParaRPr lang="en-US" sz="3200" dirty="0"/>
           </a:p>
@@ -13024,7 +13024,7 @@
                 <a16:creationId xmlns:a16="http://schemas.microsoft.com/office/drawing/2014/main" id="{E180C1AD-8416-EEC2-E3FC-A6A726BED306}"/>
               </a:ext>
               <a:ext uri="{C183D7F6-B498-43B3-948B-1728B52AA6E4}">
-                <adec:decorative xmlns:adec="http://schemas.microsoft.com/office/drawing/2017/decorative" xmlns="" val="1"/>
+                <adec:decorative xmlns="" xmlns:adec="http://schemas.microsoft.com/office/drawing/2017/decorative" val="1"/>
               </a:ext>
             </a:extLst>
           </p:cNvPr>
@@ -15477,7 +15477,7 @@
                 <a16:creationId xmlns:a16="http://schemas.microsoft.com/office/drawing/2014/main" id="{55666830-9A19-4E01-8505-D6C7F9AC5665}"/>
               </a:ext>
               <a:ext uri="{C183D7F6-B498-43B3-948B-1728B52AA6E4}">
-                <adec:decorative xmlns:adec="http://schemas.microsoft.com/office/drawing/2017/decorative" xmlns="" val="1"/>
+                <adec:decorative xmlns="" xmlns:adec="http://schemas.microsoft.com/office/drawing/2017/decorative" val="1"/>
               </a:ext>
             </a:extLst>
           </p:cNvPr>
@@ -15602,7 +15602,7 @@
                 <a16:creationId xmlns:a16="http://schemas.microsoft.com/office/drawing/2014/main" id="{AE9FC877-7FB6-4D22-9988-35420644E202}"/>
               </a:ext>
               <a:ext uri="{C183D7F6-B498-43B3-948B-1728B52AA6E4}">
-                <adec:decorative xmlns:adec="http://schemas.microsoft.com/office/drawing/2017/decorative" xmlns="" val="1"/>
+                <adec:decorative xmlns="" xmlns:adec="http://schemas.microsoft.com/office/drawing/2017/decorative" val="1"/>
               </a:ext>
             </a:extLst>
           </p:cNvPr>
@@ -15777,7 +15777,7 @@
                 <a16:creationId xmlns:a16="http://schemas.microsoft.com/office/drawing/2014/main" id="{E41809D1-F12E-46BB-B804-5F209D325E8B}"/>
               </a:ext>
               <a:ext uri="{C183D7F6-B498-43B3-948B-1728B52AA6E4}">
-                <adec:decorative xmlns:adec="http://schemas.microsoft.com/office/drawing/2017/decorative" xmlns="" val="1"/>
+                <adec:decorative xmlns="" xmlns:adec="http://schemas.microsoft.com/office/drawing/2017/decorative" val="1"/>
               </a:ext>
             </a:extLst>
           </p:cNvPr>
@@ -15975,7 +15975,7 @@
                 <a16:creationId xmlns:a16="http://schemas.microsoft.com/office/drawing/2014/main" id="{AF2F604E-43BE-4DC3-B983-E071523364F8}"/>
               </a:ext>
               <a:ext uri="{C183D7F6-B498-43B3-948B-1728B52AA6E4}">
-                <adec:decorative xmlns:adec="http://schemas.microsoft.com/office/drawing/2017/decorative" xmlns="" val="1"/>
+                <adec:decorative xmlns="" xmlns:adec="http://schemas.microsoft.com/office/drawing/2017/decorative" val="1"/>
               </a:ext>
             </a:extLst>
           </p:cNvPr>
@@ -16067,7 +16067,7 @@
                 <a16:creationId xmlns:a16="http://schemas.microsoft.com/office/drawing/2014/main" id="{08C9B587-E65E-4B52-B37C-ABEBB6E87928}"/>
               </a:ext>
               <a:ext uri="{C183D7F6-B498-43B3-948B-1728B52AA6E4}">
-                <adec:decorative xmlns:adec="http://schemas.microsoft.com/office/drawing/2017/decorative" xmlns="" val="1"/>
+                <adec:decorative xmlns="" xmlns:adec="http://schemas.microsoft.com/office/drawing/2017/decorative" val="1"/>
               </a:ext>
             </a:extLst>
           </p:cNvPr>
@@ -18668,15 +18668,6 @@
                         </a:rPr>
                         <a:t> (Unit Test, E2E Test).</a:t>
                       </a:r>
-                      <a:endParaRPr lang="en-US" sz="1800" b="0" i="0" kern="1200" dirty="0" smtClean="0">
-                        <a:solidFill>
-                          <a:schemeClr val="dk1"/>
-                        </a:solidFill>
-                        <a:effectLst/>
-                        <a:latin typeface="+mn-lt"/>
-                        <a:ea typeface="+mn-ea"/>
-                        <a:cs typeface="+mn-cs"/>
-                      </a:endParaRPr>
                     </a:p>
                   </a:txBody>
                   <a:tcPr/>
@@ -18797,19 +18788,7 @@
                           <a:ea typeface="+mn-ea"/>
                           <a:cs typeface="+mn-cs"/>
                         </a:rPr>
-                        <a:t> Google Calendar, Outlook</a:t>
-                      </a:r>
-                      <a:r>
-                        <a:rPr lang="en-US" sz="1800" b="0" i="0" kern="1200" dirty="0" smtClean="0">
-                          <a:solidFill>
-                            <a:schemeClr val="dk1"/>
-                          </a:solidFill>
-                          <a:effectLst/>
-                          <a:latin typeface="+mn-lt"/>
-                          <a:ea typeface="+mn-ea"/>
-                          <a:cs typeface="+mn-cs"/>
-                        </a:rPr>
-                        <a:t>.</a:t>
+                        <a:t> Google Calendar, Outlook.</a:t>
                       </a:r>
                       <a:endParaRPr lang="vi-VN" sz="1800" b="0" i="0" kern="1200" dirty="0" smtClean="0">
                         <a:solidFill>
